--- a/Curs2_PythonOOP.pptx
+++ b/Curs2_PythonOOP.pptx
@@ -10959,7 +10959,7 @@
         <p:spPr>
           <a:xfrm>
             <a:off x="517673" y="1002682"/>
-            <a:ext cx="8343900" cy="3323987"/>
+            <a:ext cx="8343900" cy="4185761"/>
           </a:xfrm>
           <a:prstGeom prst="rect">
             <a:avLst/>
@@ -11481,7 +11481,13 @@
           <a:p>
             <a:r>
               <a:rPr lang="en-US" dirty="0"/>
-              <a:t>'{"</a:t>
+              <a:t>‘{</a:t>
+            </a:r>
+          </a:p>
+          <a:p>
+            <a:r>
+              <a:rPr lang="en-US" dirty="0"/>
+              <a:t>"</a:t>
             </a:r>
             <a:r>
               <a:rPr lang="en-US" dirty="0" err="1"/>
@@ -11489,12 +11495,27 @@
             </a:r>
             <a:r>
               <a:rPr lang="en-US" dirty="0"/>
-              <a:t>", "age":30, "</a:t>
+              <a:t>", </a:t>
+            </a:r>
+          </a:p>
+          <a:p>
+            <a:r>
+              <a:rPr lang="en-US" dirty="0"/>
+              <a:t>"age":30,</a:t>
+            </a:r>
+          </a:p>
+          <a:p>
+            <a:r>
+              <a:rPr lang="en-US" dirty="0"/>
+              <a:t> "</a:t>
             </a:r>
             <a:r>
               <a:rPr lang="en-US" dirty="0" err="1"/>
               <a:t>car":null</a:t>
             </a:r>
+            <a:endParaRPr lang="en-US" dirty="0"/>
+          </a:p>
+          <a:p>
             <a:r>
               <a:rPr lang="en-US" dirty="0"/>
               <a:t>}'</a:t>
@@ -12058,6 +12079,250 @@
                                           <p:spTgt spid="8">
                                             <p:txEl>
                                               <p:pRg st="8" end="8"/>
+                                            </p:txEl>
+                                          </p:spTgt>
+                                        </p:tgtEl>
+                                      </p:cBhvr>
+                                    </p:animEffect>
+                                  </p:childTnLst>
+                                </p:cTn>
+                              </p:par>
+                            </p:childTnLst>
+                          </p:cTn>
+                        </p:par>
+                      </p:childTnLst>
+                    </p:cTn>
+                  </p:par>
+                  <p:par>
+                    <p:cTn id="48" fill="hold">
+                      <p:stCondLst>
+                        <p:cond delay="indefinite"/>
+                      </p:stCondLst>
+                      <p:childTnLst>
+                        <p:par>
+                          <p:cTn id="49" fill="hold">
+                            <p:stCondLst>
+                              <p:cond delay="0"/>
+                            </p:stCondLst>
+                            <p:childTnLst>
+                              <p:par>
+                                <p:cTn id="50" presetID="10" presetClass="entr" presetSubtype="0" fill="hold" nodeType="clickEffect">
+                                  <p:stCondLst>
+                                    <p:cond delay="0"/>
+                                  </p:stCondLst>
+                                  <p:childTnLst>
+                                    <p:set>
+                                      <p:cBhvr>
+                                        <p:cTn id="51" dur="1" fill="hold">
+                                          <p:stCondLst>
+                                            <p:cond delay="0"/>
+                                          </p:stCondLst>
+                                        </p:cTn>
+                                        <p:tgtEl>
+                                          <p:spTgt spid="8">
+                                            <p:txEl>
+                                              <p:pRg st="9" end="9"/>
+                                            </p:txEl>
+                                          </p:spTgt>
+                                        </p:tgtEl>
+                                        <p:attrNameLst>
+                                          <p:attrName>style.visibility</p:attrName>
+                                        </p:attrNameLst>
+                                      </p:cBhvr>
+                                      <p:to>
+                                        <p:strVal val="visible"/>
+                                      </p:to>
+                                    </p:set>
+                                    <p:animEffect transition="in" filter="fade">
+                                      <p:cBhvr>
+                                        <p:cTn id="52" dur="500"/>
+                                        <p:tgtEl>
+                                          <p:spTgt spid="8">
+                                            <p:txEl>
+                                              <p:pRg st="9" end="9"/>
+                                            </p:txEl>
+                                          </p:spTgt>
+                                        </p:tgtEl>
+                                      </p:cBhvr>
+                                    </p:animEffect>
+                                  </p:childTnLst>
+                                </p:cTn>
+                              </p:par>
+                            </p:childTnLst>
+                          </p:cTn>
+                        </p:par>
+                      </p:childTnLst>
+                    </p:cTn>
+                  </p:par>
+                  <p:par>
+                    <p:cTn id="53" fill="hold">
+                      <p:stCondLst>
+                        <p:cond delay="indefinite"/>
+                      </p:stCondLst>
+                      <p:childTnLst>
+                        <p:par>
+                          <p:cTn id="54" fill="hold">
+                            <p:stCondLst>
+                              <p:cond delay="0"/>
+                            </p:stCondLst>
+                            <p:childTnLst>
+                              <p:par>
+                                <p:cTn id="55" presetID="10" presetClass="entr" presetSubtype="0" fill="hold" nodeType="clickEffect">
+                                  <p:stCondLst>
+                                    <p:cond delay="0"/>
+                                  </p:stCondLst>
+                                  <p:childTnLst>
+                                    <p:set>
+                                      <p:cBhvr>
+                                        <p:cTn id="56" dur="1" fill="hold">
+                                          <p:stCondLst>
+                                            <p:cond delay="0"/>
+                                          </p:stCondLst>
+                                        </p:cTn>
+                                        <p:tgtEl>
+                                          <p:spTgt spid="8">
+                                            <p:txEl>
+                                              <p:pRg st="10" end="10"/>
+                                            </p:txEl>
+                                          </p:spTgt>
+                                        </p:tgtEl>
+                                        <p:attrNameLst>
+                                          <p:attrName>style.visibility</p:attrName>
+                                        </p:attrNameLst>
+                                      </p:cBhvr>
+                                      <p:to>
+                                        <p:strVal val="visible"/>
+                                      </p:to>
+                                    </p:set>
+                                    <p:animEffect transition="in" filter="fade">
+                                      <p:cBhvr>
+                                        <p:cTn id="57" dur="500"/>
+                                        <p:tgtEl>
+                                          <p:spTgt spid="8">
+                                            <p:txEl>
+                                              <p:pRg st="10" end="10"/>
+                                            </p:txEl>
+                                          </p:spTgt>
+                                        </p:tgtEl>
+                                      </p:cBhvr>
+                                    </p:animEffect>
+                                  </p:childTnLst>
+                                </p:cTn>
+                              </p:par>
+                            </p:childTnLst>
+                          </p:cTn>
+                        </p:par>
+                      </p:childTnLst>
+                    </p:cTn>
+                  </p:par>
+                  <p:par>
+                    <p:cTn id="58" fill="hold">
+                      <p:stCondLst>
+                        <p:cond delay="indefinite"/>
+                      </p:stCondLst>
+                      <p:childTnLst>
+                        <p:par>
+                          <p:cTn id="59" fill="hold">
+                            <p:stCondLst>
+                              <p:cond delay="0"/>
+                            </p:stCondLst>
+                            <p:childTnLst>
+                              <p:par>
+                                <p:cTn id="60" presetID="10" presetClass="entr" presetSubtype="0" fill="hold" nodeType="clickEffect">
+                                  <p:stCondLst>
+                                    <p:cond delay="0"/>
+                                  </p:stCondLst>
+                                  <p:childTnLst>
+                                    <p:set>
+                                      <p:cBhvr>
+                                        <p:cTn id="61" dur="1" fill="hold">
+                                          <p:stCondLst>
+                                            <p:cond delay="0"/>
+                                          </p:stCondLst>
+                                        </p:cTn>
+                                        <p:tgtEl>
+                                          <p:spTgt spid="8">
+                                            <p:txEl>
+                                              <p:pRg st="11" end="11"/>
+                                            </p:txEl>
+                                          </p:spTgt>
+                                        </p:tgtEl>
+                                        <p:attrNameLst>
+                                          <p:attrName>style.visibility</p:attrName>
+                                        </p:attrNameLst>
+                                      </p:cBhvr>
+                                      <p:to>
+                                        <p:strVal val="visible"/>
+                                      </p:to>
+                                    </p:set>
+                                    <p:animEffect transition="in" filter="fade">
+                                      <p:cBhvr>
+                                        <p:cTn id="62" dur="500"/>
+                                        <p:tgtEl>
+                                          <p:spTgt spid="8">
+                                            <p:txEl>
+                                              <p:pRg st="11" end="11"/>
+                                            </p:txEl>
+                                          </p:spTgt>
+                                        </p:tgtEl>
+                                      </p:cBhvr>
+                                    </p:animEffect>
+                                  </p:childTnLst>
+                                </p:cTn>
+                              </p:par>
+                            </p:childTnLst>
+                          </p:cTn>
+                        </p:par>
+                      </p:childTnLst>
+                    </p:cTn>
+                  </p:par>
+                  <p:par>
+                    <p:cTn id="63" fill="hold">
+                      <p:stCondLst>
+                        <p:cond delay="indefinite"/>
+                      </p:stCondLst>
+                      <p:childTnLst>
+                        <p:par>
+                          <p:cTn id="64" fill="hold">
+                            <p:stCondLst>
+                              <p:cond delay="0"/>
+                            </p:stCondLst>
+                            <p:childTnLst>
+                              <p:par>
+                                <p:cTn id="65" presetID="10" presetClass="entr" presetSubtype="0" fill="hold" nodeType="clickEffect">
+                                  <p:stCondLst>
+                                    <p:cond delay="0"/>
+                                  </p:stCondLst>
+                                  <p:childTnLst>
+                                    <p:set>
+                                      <p:cBhvr>
+                                        <p:cTn id="66" dur="1" fill="hold">
+                                          <p:stCondLst>
+                                            <p:cond delay="0"/>
+                                          </p:stCondLst>
+                                        </p:cTn>
+                                        <p:tgtEl>
+                                          <p:spTgt spid="8">
+                                            <p:txEl>
+                                              <p:pRg st="12" end="12"/>
+                                            </p:txEl>
+                                          </p:spTgt>
+                                        </p:tgtEl>
+                                        <p:attrNameLst>
+                                          <p:attrName>style.visibility</p:attrName>
+                                        </p:attrNameLst>
+                                      </p:cBhvr>
+                                      <p:to>
+                                        <p:strVal val="visible"/>
+                                      </p:to>
+                                    </p:set>
+                                    <p:animEffect transition="in" filter="fade">
+                                      <p:cBhvr>
+                                        <p:cTn id="67" dur="500"/>
+                                        <p:tgtEl>
+                                          <p:spTgt spid="8">
+                                            <p:txEl>
+                                              <p:pRg st="12" end="12"/>
                                             </p:txEl>
                                           </p:spTgt>
                                         </p:tgtEl>
